--- a/ppt/算法讲解169【挺难】整体二分-下.pptx
+++ b/ppt/算法讲解169【挺难】整体二分-下.pptx
@@ -4503,6 +4503,43 @@
               <a:t>设计比较特别的线段树 + 整体二分</a:t>
             </a:r>
           </a:p>
+          <a:p>
+            <a:pPr algn="l" defTabSz="457200">
+              <a:defRPr sz="3600">
+                <a:solidFill>
+                  <a:schemeClr val="accent5">
+                    <a:hueOff val="-82419"/>
+                    <a:satOff val="-9513"/>
+                    <a:lumOff val="-16343"/>
+                  </a:schemeClr>
+                </a:solidFill>
+                <a:latin typeface="Monaco"/>
+                <a:ea typeface="Monaco"/>
+                <a:cs typeface="Monaco"/>
+                <a:sym typeface="Monaco"/>
+              </a:defRPr>
+            </a:pPr>
+          </a:p>
+          <a:p>
+            <a:pPr algn="l" defTabSz="457200">
+              <a:defRPr sz="3600">
+                <a:solidFill>
+                  <a:schemeClr val="accent5">
+                    <a:hueOff val="-82419"/>
+                    <a:satOff val="-9513"/>
+                    <a:lumOff val="-16343"/>
+                  </a:schemeClr>
+                </a:solidFill>
+                <a:latin typeface="Monaco"/>
+                <a:ea typeface="Monaco"/>
+                <a:cs typeface="Monaco"/>
+                <a:sym typeface="Monaco"/>
+              </a:defRPr>
+            </a:pPr>
+            <a:r>
+              <a:t>这种线段树的使用方式，其实就是线段树二分</a:t>
+            </a:r>
+          </a:p>
         </p:txBody>
       </p:sp>
     </p:spTree>
